--- a/presentation-source/07B-rest-description.pptx
+++ b/presentation-source/07B-rest-description.pptx
@@ -212,7 +212,7 @@
             <a:fld id="{7307762F-A706-E543-A832-3C298AA3103F}" type="datetimeFigureOut">
               <a:rPr lang="en-US" smtClean="0"/>
               <a:pPr/>
-              <a:t>15/06/16</a:t>
+              <a:t>07/05/17</a:t>
             </a:fld>
             <a:endParaRPr lang="en-US" dirty="0"/>
           </a:p>
@@ -779,7 +779,7 @@
           <a:p>
             <a:fld id="{875CF0EB-321F-0749-B37A-89BBA859503C}" type="datetimeFigureOut">
               <a:rPr lang="en-US" smtClean="0"/>
-              <a:t>15/06/16</a:t>
+              <a:t>07/05/17</a:t>
             </a:fld>
             <a:endParaRPr lang="en-US"/>
           </a:p>
@@ -983,7 +983,7 @@
           <a:p>
             <a:fld id="{875CF0EB-321F-0749-B37A-89BBA859503C}" type="datetimeFigureOut">
               <a:rPr lang="en-US" smtClean="0"/>
-              <a:t>15/06/16</a:t>
+              <a:t>07/05/17</a:t>
             </a:fld>
             <a:endParaRPr lang="en-US"/>
           </a:p>
@@ -1177,7 +1177,7 @@
           <a:p>
             <a:fld id="{875CF0EB-321F-0749-B37A-89BBA859503C}" type="datetimeFigureOut">
               <a:rPr lang="en-US" smtClean="0"/>
-              <a:t>15/06/16</a:t>
+              <a:t>07/05/17</a:t>
             </a:fld>
             <a:endParaRPr lang="en-US"/>
           </a:p>
@@ -1447,7 +1447,7 @@
           <a:p>
             <a:fld id="{875CF0EB-321F-0749-B37A-89BBA859503C}" type="datetimeFigureOut">
               <a:rPr lang="en-US" smtClean="0"/>
-              <a:t>15/06/16</a:t>
+              <a:t>07/05/17</a:t>
             </a:fld>
             <a:endParaRPr lang="en-US"/>
           </a:p>
@@ -1759,7 +1759,7 @@
           <a:p>
             <a:fld id="{875CF0EB-321F-0749-B37A-89BBA859503C}" type="datetimeFigureOut">
               <a:rPr lang="en-US" smtClean="0"/>
-              <a:t>15/06/16</a:t>
+              <a:t>07/05/17</a:t>
             </a:fld>
             <a:endParaRPr lang="en-US"/>
           </a:p>
@@ -2205,7 +2205,7 @@
           <a:p>
             <a:fld id="{875CF0EB-321F-0749-B37A-89BBA859503C}" type="datetimeFigureOut">
               <a:rPr lang="en-US" smtClean="0"/>
-              <a:t>15/06/16</a:t>
+              <a:t>07/05/17</a:t>
             </a:fld>
             <a:endParaRPr lang="en-US"/>
           </a:p>
@@ -2347,7 +2347,7 @@
           <a:p>
             <a:fld id="{875CF0EB-321F-0749-B37A-89BBA859503C}" type="datetimeFigureOut">
               <a:rPr lang="en-US" smtClean="0"/>
-              <a:t>15/06/16</a:t>
+              <a:t>07/05/17</a:t>
             </a:fld>
             <a:endParaRPr lang="en-US"/>
           </a:p>
@@ -2466,7 +2466,7 @@
           <a:p>
             <a:fld id="{875CF0EB-321F-0749-B37A-89BBA859503C}" type="datetimeFigureOut">
               <a:rPr lang="en-US" smtClean="0"/>
-              <a:t>15/06/16</a:t>
+              <a:t>07/05/17</a:t>
             </a:fld>
             <a:endParaRPr lang="en-US"/>
           </a:p>
@@ -2767,7 +2767,7 @@
           <a:p>
             <a:fld id="{875CF0EB-321F-0749-B37A-89BBA859503C}" type="datetimeFigureOut">
               <a:rPr lang="en-US" smtClean="0"/>
-              <a:t>15/06/16</a:t>
+              <a:t>07/05/17</a:t>
             </a:fld>
             <a:endParaRPr lang="en-US"/>
           </a:p>
@@ -3044,7 +3044,7 @@
           <a:p>
             <a:fld id="{875CF0EB-321F-0749-B37A-89BBA859503C}" type="datetimeFigureOut">
               <a:rPr lang="en-US" smtClean="0"/>
-              <a:t>15/06/16</a:t>
+              <a:t>07/05/17</a:t>
             </a:fld>
             <a:endParaRPr lang="en-US"/>
           </a:p>
@@ -5744,7 +5744,7 @@
                 <a:ea typeface="ヒラギノ角ゴ ProN W3" charset="0"/>
                 <a:cs typeface="ヒラギノ角ゴ ProN W3" charset="0"/>
               </a:rPr>
-              <a:t>June 2016</a:t>
+              <a:t>May 2017</a:t>
             </a:r>
             <a:endParaRPr lang="en-US" dirty="0">
               <a:ea typeface="ヒラギノ角ゴ ProN W3" charset="0"/>
@@ -6046,33 +6046,33 @@
           <a:p>
             <a:r>
               <a:rPr lang="en-US" dirty="0" smtClean="0"/>
-              <a:t>Donated to the Open API Initiative</a:t>
-            </a:r>
-          </a:p>
-          <a:p>
-            <a:pPr lvl="1"/>
+              <a:t>Now </a:t>
+            </a:r>
             <a:r>
               <a:rPr lang="en-US" dirty="0" smtClean="0"/>
-              <a:t>Previously created by </a:t>
+              <a:t>the </a:t>
             </a:r>
             <a:r>
               <a:rPr lang="en-US" dirty="0" err="1" smtClean="0"/>
-              <a:t>Wordnik</a:t>
+              <a:t>OpenAPI</a:t>
             </a:r>
             <a:r>
               <a:rPr lang="en-US" dirty="0" smtClean="0"/>
-              <a:t> and owned by </a:t>
-            </a:r>
-            <a:r>
-              <a:rPr lang="en-US" dirty="0" err="1" smtClean="0"/>
-              <a:t>SmartBear</a:t>
-            </a:r>
-            <a:endParaRPr lang="en-US" dirty="0" smtClean="0"/>
-          </a:p>
-          <a:p>
+              <a:t> </a:t>
+            </a:r>
             <a:r>
               <a:rPr lang="en-US" dirty="0" smtClean="0"/>
-              <a:t>Much wider industry support</a:t>
+              <a:t>Initiative</a:t>
+            </a:r>
+          </a:p>
+          <a:p>
+            <a:r>
+              <a:rPr lang="en-US" dirty="0" smtClean="0"/>
+              <a:t>Much </a:t>
+            </a:r>
+            <a:r>
+              <a:rPr lang="en-US" dirty="0" smtClean="0"/>
+              <a:t>wider industry support</a:t>
             </a:r>
           </a:p>
           <a:p>
@@ -7179,13 +7179,13 @@
         <p:spPr/>
         <p:txBody>
           <a:bodyPr>
-            <a:normAutofit fontScale="90000"/>
+            <a:normAutofit/>
           </a:bodyPr>
           <a:lstStyle/>
           <a:p>
             <a:r>
               <a:rPr lang="en-US" dirty="0" smtClean="0"/>
-              <a:t>Luckily this is no longer current</a:t>
+              <a:t>The world has moved on</a:t>
             </a:r>
             <a:endParaRPr lang="en-US" dirty="0"/>
           </a:p>
@@ -7203,7 +7203,9 @@
         </p:nvSpPr>
         <p:spPr/>
         <p:txBody>
-          <a:bodyPr/>
+          <a:bodyPr>
+            <a:normAutofit lnSpcReduction="10000"/>
+          </a:bodyPr>
           <a:lstStyle/>
           <a:p>
             <a:r>
@@ -7230,8 +7232,17 @@
           <a:p>
             <a:r>
               <a:rPr lang="en-US" dirty="0" smtClean="0"/>
-              <a:t>Swagger</a:t>
-            </a:r>
+              <a:t>Swagger (aka </a:t>
+            </a:r>
+            <a:r>
+              <a:rPr lang="en-US" dirty="0" err="1" smtClean="0"/>
+              <a:t>OpenAPI</a:t>
+            </a:r>
+            <a:r>
+              <a:rPr lang="en-US" dirty="0" smtClean="0"/>
+              <a:t>) </a:t>
+            </a:r>
+            <a:endParaRPr lang="en-US" dirty="0" smtClean="0"/>
           </a:p>
           <a:p>
             <a:pPr lvl="1"/>
@@ -7245,30 +7256,50 @@
               <a:rPr lang="en-US" dirty="0" smtClean="0"/>
               <a:t> </a:t>
             </a:r>
-          </a:p>
-          <a:p>
-            <a:r>
-              <a:rPr lang="en-US" dirty="0"/>
-              <a:t>API </a:t>
-            </a:r>
-            <a:r>
-              <a:rPr lang="en-US" dirty="0" smtClean="0"/>
-              <a:t>Blueprint</a:t>
-            </a:r>
+            <a:endParaRPr lang="en-US" dirty="0"/>
           </a:p>
           <a:p>
             <a:pPr lvl="1"/>
+            <a:r>
+              <a:rPr lang="en-US" dirty="0">
+                <a:hlinkClick r:id="rId4"/>
+              </a:rPr>
+              <a:t>https://github.com/OAI/OpenAPI-</a:t>
+            </a:r>
             <a:r>
               <a:rPr lang="en-US" dirty="0" smtClean="0">
                 <a:hlinkClick r:id="rId4"/>
               </a:rPr>
+              <a:t>Specification</a:t>
+            </a:r>
+            <a:r>
+              <a:rPr lang="en-US" dirty="0" smtClean="0"/>
+              <a:t> </a:t>
+            </a:r>
+            <a:endParaRPr lang="en-US" dirty="0" smtClean="0"/>
+          </a:p>
+          <a:p>
+            <a:r>
+              <a:rPr lang="en-US" dirty="0"/>
+              <a:t>API </a:t>
+            </a:r>
+            <a:r>
+              <a:rPr lang="en-US" dirty="0" smtClean="0"/>
+              <a:t>Blueprint</a:t>
+            </a:r>
+          </a:p>
+          <a:p>
+            <a:pPr lvl="1"/>
+            <a:r>
+              <a:rPr lang="en-US" dirty="0" smtClean="0">
+                <a:hlinkClick r:id="rId5"/>
+              </a:rPr>
               <a:t>www.apiblueprint.org</a:t>
             </a:r>
             <a:r>
               <a:rPr lang="en-US" dirty="0"/>
               <a:t> </a:t>
             </a:r>
-            <a:endParaRPr lang="en-US" dirty="0"/>
           </a:p>
           <a:p>
             <a:pPr lvl="1"/>

--- a/presentation-source/07B-rest-description.pptx
+++ b/presentation-source/07B-rest-description.pptx
@@ -212,7 +212,7 @@
             <a:fld id="{7307762F-A706-E543-A832-3C298AA3103F}" type="datetimeFigureOut">
               <a:rPr lang="en-US" smtClean="0"/>
               <a:pPr/>
-              <a:t>07/05/17</a:t>
+              <a:t>23/05/17</a:t>
             </a:fld>
             <a:endParaRPr lang="en-US" dirty="0"/>
           </a:p>
@@ -779,7 +779,7 @@
           <a:p>
             <a:fld id="{875CF0EB-321F-0749-B37A-89BBA859503C}" type="datetimeFigureOut">
               <a:rPr lang="en-US" smtClean="0"/>
-              <a:t>07/05/17</a:t>
+              <a:t>23/05/17</a:t>
             </a:fld>
             <a:endParaRPr lang="en-US"/>
           </a:p>
@@ -983,7 +983,7 @@
           <a:p>
             <a:fld id="{875CF0EB-321F-0749-B37A-89BBA859503C}" type="datetimeFigureOut">
               <a:rPr lang="en-US" smtClean="0"/>
-              <a:t>07/05/17</a:t>
+              <a:t>23/05/17</a:t>
             </a:fld>
             <a:endParaRPr lang="en-US"/>
           </a:p>
@@ -1177,7 +1177,7 @@
           <a:p>
             <a:fld id="{875CF0EB-321F-0749-B37A-89BBA859503C}" type="datetimeFigureOut">
               <a:rPr lang="en-US" smtClean="0"/>
-              <a:t>07/05/17</a:t>
+              <a:t>23/05/17</a:t>
             </a:fld>
             <a:endParaRPr lang="en-US"/>
           </a:p>
@@ -1447,7 +1447,7 @@
           <a:p>
             <a:fld id="{875CF0EB-321F-0749-B37A-89BBA859503C}" type="datetimeFigureOut">
               <a:rPr lang="en-US" smtClean="0"/>
-              <a:t>07/05/17</a:t>
+              <a:t>23/05/17</a:t>
             </a:fld>
             <a:endParaRPr lang="en-US"/>
           </a:p>
@@ -1759,7 +1759,7 @@
           <a:p>
             <a:fld id="{875CF0EB-321F-0749-B37A-89BBA859503C}" type="datetimeFigureOut">
               <a:rPr lang="en-US" smtClean="0"/>
-              <a:t>07/05/17</a:t>
+              <a:t>23/05/17</a:t>
             </a:fld>
             <a:endParaRPr lang="en-US"/>
           </a:p>
@@ -2205,7 +2205,7 @@
           <a:p>
             <a:fld id="{875CF0EB-321F-0749-B37A-89BBA859503C}" type="datetimeFigureOut">
               <a:rPr lang="en-US" smtClean="0"/>
-              <a:t>07/05/17</a:t>
+              <a:t>23/05/17</a:t>
             </a:fld>
             <a:endParaRPr lang="en-US"/>
           </a:p>
@@ -2347,7 +2347,7 @@
           <a:p>
             <a:fld id="{875CF0EB-321F-0749-B37A-89BBA859503C}" type="datetimeFigureOut">
               <a:rPr lang="en-US" smtClean="0"/>
-              <a:t>07/05/17</a:t>
+              <a:t>23/05/17</a:t>
             </a:fld>
             <a:endParaRPr lang="en-US"/>
           </a:p>
@@ -2466,7 +2466,7 @@
           <a:p>
             <a:fld id="{875CF0EB-321F-0749-B37A-89BBA859503C}" type="datetimeFigureOut">
               <a:rPr lang="en-US" smtClean="0"/>
-              <a:t>07/05/17</a:t>
+              <a:t>23/05/17</a:t>
             </a:fld>
             <a:endParaRPr lang="en-US"/>
           </a:p>
@@ -2767,7 +2767,7 @@
           <a:p>
             <a:fld id="{875CF0EB-321F-0749-B37A-89BBA859503C}" type="datetimeFigureOut">
               <a:rPr lang="en-US" smtClean="0"/>
-              <a:t>07/05/17</a:t>
+              <a:t>23/05/17</a:t>
             </a:fld>
             <a:endParaRPr lang="en-US"/>
           </a:p>
@@ -3044,7 +3044,7 @@
           <a:p>
             <a:fld id="{875CF0EB-321F-0749-B37A-89BBA859503C}" type="datetimeFigureOut">
               <a:rPr lang="en-US" smtClean="0"/>
-              <a:t>07/05/17</a:t>
+              <a:t>23/05/17</a:t>
             </a:fld>
             <a:endParaRPr lang="en-US"/>
           </a:p>
@@ -5756,6 +5756,32 @@
           </a:p>
         </p:txBody>
       </p:sp>
+      <p:sp>
+        <p:nvSpPr>
+          <p:cNvPr id="3" name="TextBox 2"/>
+          <p:cNvSpPr txBox="1"/>
+          <p:nvPr/>
+        </p:nvSpPr>
+        <p:spPr>
+          <a:xfrm>
+            <a:off x="3052642" y="1671324"/>
+            <a:ext cx="184666" cy="369332"/>
+          </a:xfrm>
+          <a:prstGeom prst="rect">
+            <a:avLst/>
+          </a:prstGeom>
+          <a:noFill/>
+        </p:spPr>
+        <p:txBody>
+          <a:bodyPr wrap="none" rtlCol="0">
+            <a:spAutoFit/>
+          </a:bodyPr>
+          <a:lstStyle/>
+          <a:p>
+            <a:endParaRPr lang="en-US" dirty="0"/>
+          </a:p>
+        </p:txBody>
+      </p:sp>
     </p:spTree>
     <p:extLst>
       <p:ext uri="{BB962C8B-B14F-4D97-AF65-F5344CB8AC3E}">
@@ -5892,6 +5918,13 @@
   <p:clrMapOvr>
     <a:masterClrMapping/>
   </p:clrMapOvr>
+  <p:timing>
+    <p:tnLst>
+      <p:par>
+        <p:cTn xmlns:p14="http://schemas.microsoft.com/office/powerpoint/2010/main" id="1" dur="indefinite" restart="never" nodeType="tmRoot"/>
+      </p:par>
+    </p:tnLst>
+  </p:timing>
 </p:sld>
 </file>
 
@@ -5974,6 +6007,13 @@
   <p:clrMapOvr>
     <a:masterClrMapping/>
   </p:clrMapOvr>
+  <p:timing>
+    <p:tnLst>
+      <p:par>
+        <p:cTn xmlns:p14="http://schemas.microsoft.com/office/powerpoint/2010/main" id="1" dur="indefinite" restart="never" nodeType="tmRoot"/>
+      </p:par>
+    </p:tnLst>
+  </p:timing>
 </p:sld>
 </file>
 
@@ -6046,11 +6086,7 @@
           <a:p>
             <a:r>
               <a:rPr lang="en-US" dirty="0" smtClean="0"/>
-              <a:t>Now </a:t>
-            </a:r>
-            <a:r>
-              <a:rPr lang="en-US" dirty="0" smtClean="0"/>
-              <a:t>the </a:t>
+              <a:t>Now the </a:t>
             </a:r>
             <a:r>
               <a:rPr lang="en-US" dirty="0" err="1" smtClean="0"/>
@@ -6058,21 +6094,13 @@
             </a:r>
             <a:r>
               <a:rPr lang="en-US" dirty="0" smtClean="0"/>
-              <a:t> </a:t>
-            </a:r>
+              <a:t> Initiative</a:t>
+            </a:r>
+          </a:p>
+          <a:p>
             <a:r>
               <a:rPr lang="en-US" dirty="0" smtClean="0"/>
-              <a:t>Initiative</a:t>
-            </a:r>
-          </a:p>
-          <a:p>
-            <a:r>
-              <a:rPr lang="en-US" dirty="0" smtClean="0"/>
-              <a:t>Much </a:t>
-            </a:r>
-            <a:r>
-              <a:rPr lang="en-US" dirty="0" smtClean="0"/>
-              <a:t>wider industry support</a:t>
+              <a:t>Much wider industry support</a:t>
             </a:r>
           </a:p>
           <a:p>
@@ -6100,6 +6128,13 @@
   <p:clrMapOvr>
     <a:masterClrMapping/>
   </p:clrMapOvr>
+  <p:timing>
+    <p:tnLst>
+      <p:par>
+        <p:cTn xmlns:p14="http://schemas.microsoft.com/office/powerpoint/2010/main" id="1" dur="indefinite" restart="never" nodeType="tmRoot"/>
+      </p:par>
+    </p:tnLst>
+  </p:timing>
 </p:sld>
 </file>
 
@@ -6177,6 +6212,13 @@
   <p:clrMapOvr>
     <a:masterClrMapping/>
   </p:clrMapOvr>
+  <p:timing>
+    <p:tnLst>
+      <p:par>
+        <p:cTn xmlns:p14="http://schemas.microsoft.com/office/powerpoint/2010/main" id="1" dur="indefinite" restart="never" nodeType="tmRoot"/>
+      </p:par>
+    </p:tnLst>
+  </p:timing>
 </p:sld>
 </file>
 
@@ -6301,6 +6343,13 @@
   <p:clrMapOvr>
     <a:masterClrMapping/>
   </p:clrMapOvr>
+  <p:timing>
+    <p:tnLst>
+      <p:par>
+        <p:cTn xmlns:p14="http://schemas.microsoft.com/office/powerpoint/2010/main" id="1" dur="indefinite" restart="never" nodeType="tmRoot"/>
+      </p:par>
+    </p:tnLst>
+  </p:timing>
 </p:sld>
 </file>
 
@@ -6378,6 +6427,13 @@
   <p:clrMapOvr>
     <a:masterClrMapping/>
   </p:clrMapOvr>
+  <p:timing>
+    <p:tnLst>
+      <p:par>
+        <p:cTn xmlns:p14="http://schemas.microsoft.com/office/powerpoint/2010/main" id="1" dur="indefinite" restart="never" nodeType="tmRoot"/>
+      </p:par>
+    </p:tnLst>
+  </p:timing>
 </p:sld>
 </file>
 
@@ -6431,6 +6487,13 @@
   <p:clrMapOvr>
     <a:masterClrMapping/>
   </p:clrMapOvr>
+  <p:timing>
+    <p:tnLst>
+      <p:par>
+        <p:cTn xmlns:p14="http://schemas.microsoft.com/office/powerpoint/2010/main" id="1" dur="indefinite" restart="never" nodeType="tmRoot"/>
+      </p:par>
+    </p:tnLst>
+  </p:timing>
 </p:sld>
 </file>
 
@@ -6695,6 +6758,13 @@
   <p:clrMapOvr>
     <a:masterClrMapping/>
   </p:clrMapOvr>
+  <p:timing>
+    <p:tnLst>
+      <p:par>
+        <p:cTn xmlns:p14="http://schemas.microsoft.com/office/powerpoint/2010/main" id="1" dur="indefinite" restart="never" nodeType="tmRoot"/>
+      </p:par>
+    </p:tnLst>
+  </p:timing>
 </p:sld>
 </file>
 
@@ -6827,6 +6897,13 @@
   <p:clrMapOvr>
     <a:masterClrMapping/>
   </p:clrMapOvr>
+  <p:timing>
+    <p:tnLst>
+      <p:par>
+        <p:cTn xmlns:p14="http://schemas.microsoft.com/office/powerpoint/2010/main" id="1" dur="indefinite" restart="never" nodeType="tmRoot"/>
+      </p:par>
+    </p:tnLst>
+  </p:timing>
 </p:sld>
 </file>
 
@@ -6912,6 +6989,13 @@
   <p:clrMapOvr>
     <a:masterClrMapping/>
   </p:clrMapOvr>
+  <p:timing>
+    <p:tnLst>
+      <p:par>
+        <p:cTn xmlns:p14="http://schemas.microsoft.com/office/powerpoint/2010/main" id="1" dur="indefinite" restart="never" nodeType="tmRoot"/>
+      </p:par>
+    </p:tnLst>
+  </p:timing>
 </p:sld>
 </file>
 
@@ -7023,6 +7107,13 @@
   <p:clrMapOvr>
     <a:masterClrMapping/>
   </p:clrMapOvr>
+  <p:timing>
+    <p:tnLst>
+      <p:par>
+        <p:cTn xmlns:p14="http://schemas.microsoft.com/office/powerpoint/2010/main" id="1" dur="indefinite" restart="never" nodeType="tmRoot"/>
+      </p:par>
+    </p:tnLst>
+  </p:timing>
 </p:sld>
 </file>
 
@@ -7146,6 +7237,13 @@
   <p:clrMapOvr>
     <a:masterClrMapping/>
   </p:clrMapOvr>
+  <p:timing>
+    <p:tnLst>
+      <p:par>
+        <p:cTn xmlns:p14="http://schemas.microsoft.com/office/powerpoint/2010/main" id="1" dur="indefinite" restart="never" nodeType="tmRoot"/>
+      </p:par>
+    </p:tnLst>
+  </p:timing>
 </p:sld>
 </file>
 
@@ -7242,7 +7340,6 @@
               <a:rPr lang="en-US" dirty="0" smtClean="0"/>
               <a:t>) </a:t>
             </a:r>
-            <a:endParaRPr lang="en-US" dirty="0" smtClean="0"/>
           </a:p>
           <a:p>
             <a:pPr lvl="1"/>
@@ -7276,7 +7373,6 @@
               <a:rPr lang="en-US" dirty="0" smtClean="0"/>
               <a:t> </a:t>
             </a:r>
-            <a:endParaRPr lang="en-US" dirty="0" smtClean="0"/>
           </a:p>
           <a:p>
             <a:r>
@@ -7317,6 +7413,13 @@
   <p:clrMapOvr>
     <a:masterClrMapping/>
   </p:clrMapOvr>
+  <p:timing>
+    <p:tnLst>
+      <p:par>
+        <p:cTn xmlns:p14="http://schemas.microsoft.com/office/powerpoint/2010/main" id="1" dur="indefinite" restart="never" nodeType="tmRoot"/>
+      </p:par>
+    </p:tnLst>
+  </p:timing>
 </p:sld>
 </file>
 
@@ -7405,6 +7508,13 @@
   <p:clrMapOvr>
     <a:masterClrMapping/>
   </p:clrMapOvr>
+  <p:timing>
+    <p:tnLst>
+      <p:par>
+        <p:cTn xmlns:p14="http://schemas.microsoft.com/office/powerpoint/2010/main" id="1" dur="indefinite" restart="never" nodeType="tmRoot"/>
+      </p:par>
+    </p:tnLst>
+  </p:timing>
 </p:sld>
 </file>
 
@@ -7477,6 +7587,13 @@
   <p:clrMapOvr>
     <a:masterClrMapping/>
   </p:clrMapOvr>
+  <p:timing>
+    <p:tnLst>
+      <p:par>
+        <p:cTn xmlns:p14="http://schemas.microsoft.com/office/powerpoint/2010/main" id="1" dur="indefinite" restart="never" nodeType="tmRoot"/>
+      </p:par>
+    </p:tnLst>
+  </p:timing>
 </p:sld>
 </file>
 

--- a/presentation-source/07B-rest-description.pptx
+++ b/presentation-source/07B-rest-description.pptx
@@ -212,7 +212,7 @@
             <a:fld id="{7307762F-A706-E543-A832-3C298AA3103F}" type="datetimeFigureOut">
               <a:rPr lang="en-US" smtClean="0"/>
               <a:pPr/>
-              <a:t>23/05/17</a:t>
+              <a:t>18/12/17</a:t>
             </a:fld>
             <a:endParaRPr lang="en-US" dirty="0"/>
           </a:p>
@@ -779,7 +779,7 @@
           <a:p>
             <a:fld id="{875CF0EB-321F-0749-B37A-89BBA859503C}" type="datetimeFigureOut">
               <a:rPr lang="en-US" smtClean="0"/>
-              <a:t>23/05/17</a:t>
+              <a:t>18/12/17</a:t>
             </a:fld>
             <a:endParaRPr lang="en-US"/>
           </a:p>
@@ -983,7 +983,7 @@
           <a:p>
             <a:fld id="{875CF0EB-321F-0749-B37A-89BBA859503C}" type="datetimeFigureOut">
               <a:rPr lang="en-US" smtClean="0"/>
-              <a:t>23/05/17</a:t>
+              <a:t>18/12/17</a:t>
             </a:fld>
             <a:endParaRPr lang="en-US"/>
           </a:p>
@@ -1177,7 +1177,7 @@
           <a:p>
             <a:fld id="{875CF0EB-321F-0749-B37A-89BBA859503C}" type="datetimeFigureOut">
               <a:rPr lang="en-US" smtClean="0"/>
-              <a:t>23/05/17</a:t>
+              <a:t>18/12/17</a:t>
             </a:fld>
             <a:endParaRPr lang="en-US"/>
           </a:p>
@@ -1447,7 +1447,7 @@
           <a:p>
             <a:fld id="{875CF0EB-321F-0749-B37A-89BBA859503C}" type="datetimeFigureOut">
               <a:rPr lang="en-US" smtClean="0"/>
-              <a:t>23/05/17</a:t>
+              <a:t>18/12/17</a:t>
             </a:fld>
             <a:endParaRPr lang="en-US"/>
           </a:p>
@@ -1759,7 +1759,7 @@
           <a:p>
             <a:fld id="{875CF0EB-321F-0749-B37A-89BBA859503C}" type="datetimeFigureOut">
               <a:rPr lang="en-US" smtClean="0"/>
-              <a:t>23/05/17</a:t>
+              <a:t>18/12/17</a:t>
             </a:fld>
             <a:endParaRPr lang="en-US"/>
           </a:p>
@@ -2205,7 +2205,7 @@
           <a:p>
             <a:fld id="{875CF0EB-321F-0749-B37A-89BBA859503C}" type="datetimeFigureOut">
               <a:rPr lang="en-US" smtClean="0"/>
-              <a:t>23/05/17</a:t>
+              <a:t>18/12/17</a:t>
             </a:fld>
             <a:endParaRPr lang="en-US"/>
           </a:p>
@@ -2347,7 +2347,7 @@
           <a:p>
             <a:fld id="{875CF0EB-321F-0749-B37A-89BBA859503C}" type="datetimeFigureOut">
               <a:rPr lang="en-US" smtClean="0"/>
-              <a:t>23/05/17</a:t>
+              <a:t>18/12/17</a:t>
             </a:fld>
             <a:endParaRPr lang="en-US"/>
           </a:p>
@@ -2466,7 +2466,7 @@
           <a:p>
             <a:fld id="{875CF0EB-321F-0749-B37A-89BBA859503C}" type="datetimeFigureOut">
               <a:rPr lang="en-US" smtClean="0"/>
-              <a:t>23/05/17</a:t>
+              <a:t>18/12/17</a:t>
             </a:fld>
             <a:endParaRPr lang="en-US"/>
           </a:p>
@@ -2767,7 +2767,7 @@
           <a:p>
             <a:fld id="{875CF0EB-321F-0749-B37A-89BBA859503C}" type="datetimeFigureOut">
               <a:rPr lang="en-US" smtClean="0"/>
-              <a:t>23/05/17</a:t>
+              <a:t>18/12/17</a:t>
             </a:fld>
             <a:endParaRPr lang="en-US"/>
           </a:p>
@@ -3044,7 +3044,7 @@
           <a:p>
             <a:fld id="{875CF0EB-321F-0749-B37A-89BBA859503C}" type="datetimeFigureOut">
               <a:rPr lang="en-US" smtClean="0"/>
-              <a:t>23/05/17</a:t>
+              <a:t>18/12/17</a:t>
             </a:fld>
             <a:endParaRPr lang="en-US"/>
           </a:p>
@@ -5740,11 +5740,11 @@
           </a:p>
           <a:p>
             <a:r>
-              <a:rPr lang="en-US" dirty="0" smtClean="0">
+              <a:rPr lang="en-US" smtClean="0">
                 <a:ea typeface="ヒラギノ角ゴ ProN W3" charset="0"/>
                 <a:cs typeface="ヒラギノ角ゴ ProN W3" charset="0"/>
               </a:rPr>
-              <a:t>May 2017</a:t>
+              <a:t>January 2018</a:t>
             </a:r>
             <a:endParaRPr lang="en-US" dirty="0">
               <a:ea typeface="ヒラギノ角ゴ ProN W3" charset="0"/>
